--- a/한글테스트.pptx
+++ b/한글테스트.pptx
@@ -104,6 +104,11 @@
       </a:defRPr>
     </a:lvl9pPr>
   </p:defaultTextStyle>
+  <p:extLst>
+    <p:ext uri="{EFAFB233-063F-42B5-8137-9DF3F51BA10A}">
+      <p15:sldGuideLst xmlns:p15="http://schemas.microsoft.com/office/powerpoint/2012/main"/>
+    </p:ext>
+  </p:extLst>
 </p:presentation>
 </file>
 
@@ -254,7 +259,7 @@
           <a:p>
             <a:fld id="{8E88477F-4C15-4418-A1F0-72A784967073}" type="datetimeFigureOut">
               <a:rPr lang="ko-KR" altLang="en-US" smtClean="0"/>
-              <a:t>2024-05-14</a:t>
+              <a:t>2024-05-21</a:t>
             </a:fld>
             <a:endParaRPr lang="ko-KR" altLang="en-US"/>
           </a:p>
@@ -452,7 +457,7 @@
           <a:p>
             <a:fld id="{8E88477F-4C15-4418-A1F0-72A784967073}" type="datetimeFigureOut">
               <a:rPr lang="ko-KR" altLang="en-US" smtClean="0"/>
-              <a:t>2024-05-14</a:t>
+              <a:t>2024-05-21</a:t>
             </a:fld>
             <a:endParaRPr lang="ko-KR" altLang="en-US"/>
           </a:p>
@@ -660,7 +665,7 @@
           <a:p>
             <a:fld id="{8E88477F-4C15-4418-A1F0-72A784967073}" type="datetimeFigureOut">
               <a:rPr lang="ko-KR" altLang="en-US" smtClean="0"/>
-              <a:t>2024-05-14</a:t>
+              <a:t>2024-05-21</a:t>
             </a:fld>
             <a:endParaRPr lang="ko-KR" altLang="en-US"/>
           </a:p>
@@ -858,7 +863,7 @@
           <a:p>
             <a:fld id="{8E88477F-4C15-4418-A1F0-72A784967073}" type="datetimeFigureOut">
               <a:rPr lang="ko-KR" altLang="en-US" smtClean="0"/>
-              <a:t>2024-05-14</a:t>
+              <a:t>2024-05-21</a:t>
             </a:fld>
             <a:endParaRPr lang="ko-KR" altLang="en-US"/>
           </a:p>
@@ -1133,7 +1138,7 @@
           <a:p>
             <a:fld id="{8E88477F-4C15-4418-A1F0-72A784967073}" type="datetimeFigureOut">
               <a:rPr lang="ko-KR" altLang="en-US" smtClean="0"/>
-              <a:t>2024-05-14</a:t>
+              <a:t>2024-05-21</a:t>
             </a:fld>
             <a:endParaRPr lang="ko-KR" altLang="en-US"/>
           </a:p>
@@ -1398,7 +1403,7 @@
           <a:p>
             <a:fld id="{8E88477F-4C15-4418-A1F0-72A784967073}" type="datetimeFigureOut">
               <a:rPr lang="ko-KR" altLang="en-US" smtClean="0"/>
-              <a:t>2024-05-14</a:t>
+              <a:t>2024-05-21</a:t>
             </a:fld>
             <a:endParaRPr lang="ko-KR" altLang="en-US"/>
           </a:p>
@@ -1810,7 +1815,7 @@
           <a:p>
             <a:fld id="{8E88477F-4C15-4418-A1F0-72A784967073}" type="datetimeFigureOut">
               <a:rPr lang="ko-KR" altLang="en-US" smtClean="0"/>
-              <a:t>2024-05-14</a:t>
+              <a:t>2024-05-21</a:t>
             </a:fld>
             <a:endParaRPr lang="ko-KR" altLang="en-US"/>
           </a:p>
@@ -1951,7 +1956,7 @@
           <a:p>
             <a:fld id="{8E88477F-4C15-4418-A1F0-72A784967073}" type="datetimeFigureOut">
               <a:rPr lang="ko-KR" altLang="en-US" smtClean="0"/>
-              <a:t>2024-05-14</a:t>
+              <a:t>2024-05-21</a:t>
             </a:fld>
             <a:endParaRPr lang="ko-KR" altLang="en-US"/>
           </a:p>
@@ -2064,7 +2069,7 @@
           <a:p>
             <a:fld id="{8E88477F-4C15-4418-A1F0-72A784967073}" type="datetimeFigureOut">
               <a:rPr lang="ko-KR" altLang="en-US" smtClean="0"/>
-              <a:t>2024-05-14</a:t>
+              <a:t>2024-05-21</a:t>
             </a:fld>
             <a:endParaRPr lang="ko-KR" altLang="en-US"/>
           </a:p>
@@ -2375,7 +2380,7 @@
           <a:p>
             <a:fld id="{8E88477F-4C15-4418-A1F0-72A784967073}" type="datetimeFigureOut">
               <a:rPr lang="ko-KR" altLang="en-US" smtClean="0"/>
-              <a:t>2024-05-14</a:t>
+              <a:t>2024-05-21</a:t>
             </a:fld>
             <a:endParaRPr lang="ko-KR" altLang="en-US"/>
           </a:p>
@@ -2663,7 +2668,7 @@
           <a:p>
             <a:fld id="{8E88477F-4C15-4418-A1F0-72A784967073}" type="datetimeFigureOut">
               <a:rPr lang="ko-KR" altLang="en-US" smtClean="0"/>
-              <a:t>2024-05-14</a:t>
+              <a:t>2024-05-21</a:t>
             </a:fld>
             <a:endParaRPr lang="ko-KR" altLang="en-US"/>
           </a:p>
@@ -2904,7 +2909,7 @@
           <a:p>
             <a:fld id="{8E88477F-4C15-4418-A1F0-72A784967073}" type="datetimeFigureOut">
               <a:rPr lang="ko-KR" altLang="en-US" smtClean="0"/>
-              <a:t>2024-05-14</a:t>
+              <a:t>2024-05-21</a:t>
             </a:fld>
             <a:endParaRPr lang="ko-KR" altLang="en-US"/>
           </a:p>
@@ -3336,7 +3341,7 @@
         <p:spPr>
           <a:xfrm>
             <a:off x="619760" y="386080"/>
-            <a:ext cx="9296400" cy="369332"/>
+            <a:ext cx="9296400" cy="923330"/>
           </a:xfrm>
           <a:prstGeom prst="rect">
             <a:avLst/>
@@ -3353,6 +3358,21 @@
               <a:rPr lang="ko-KR" altLang="en-US" dirty="0"/>
               <a:t>테스트</a:t>
             </a:r>
+            <a:endParaRPr lang="en-US" altLang="ko-KR" dirty="0"/>
+          </a:p>
+          <a:p>
+            <a:endParaRPr lang="en-US" altLang="ko-KR" dirty="0"/>
+          </a:p>
+          <a:p>
+            <a:r>
+              <a:rPr lang="ko-KR" altLang="en-US" dirty="0"/>
+              <a:t>두번째 </a:t>
+            </a:r>
+            <a:r>
+              <a:rPr lang="ko-KR" altLang="en-US" dirty="0" err="1"/>
+              <a:t>커밋</a:t>
+            </a:r>
+            <a:endParaRPr lang="ko-KR" altLang="en-US" dirty="0"/>
           </a:p>
         </p:txBody>
       </p:sp>
